--- a/Figures/figurematerials.pptx
+++ b/Figures/figurematerials.pptx
@@ -6,9 +6,10 @@
   </p:sldMasterIdLst>
   <p:sldIdLst>
     <p:sldId id="257" r:id="rId2"/>
-    <p:sldId id="259" r:id="rId3"/>
-    <p:sldId id="258" r:id="rId4"/>
-    <p:sldId id="256" r:id="rId5"/>
+    <p:sldId id="260" r:id="rId3"/>
+    <p:sldId id="259" r:id="rId4"/>
+    <p:sldId id="258" r:id="rId5"/>
+    <p:sldId id="256" r:id="rId6"/>
   </p:sldIdLst>
   <p:sldSz cx="6858000" cy="12192000"/>
   <p:notesSz cx="6858000" cy="9144000"/>
@@ -3414,6 +3415,341 @@
           <a:chExt cx="0" cy="0"/>
         </a:xfrm>
       </p:grpSpPr>
+      <p:grpSp>
+        <p:nvGrpSpPr>
+          <p:cNvPr id="14" name="Group 13">
+            <a:extLst>
+              <a:ext uri="{FF2B5EF4-FFF2-40B4-BE49-F238E27FC236}">
+                <a16:creationId xmlns:a16="http://schemas.microsoft.com/office/drawing/2014/main" id="{BD9A707C-159B-9445-B543-7AEACDD6E03D}"/>
+              </a:ext>
+            </a:extLst>
+          </p:cNvPr>
+          <p:cNvGrpSpPr/>
+          <p:nvPr/>
+        </p:nvGrpSpPr>
+        <p:grpSpPr>
+          <a:xfrm>
+            <a:off x="110533" y="2243375"/>
+            <a:ext cx="6636933" cy="5986226"/>
+            <a:chOff x="-9277643" y="1113821"/>
+            <a:chExt cx="13716000" cy="12371237"/>
+          </a:xfrm>
+        </p:grpSpPr>
+        <p:pic>
+          <p:nvPicPr>
+            <p:cNvPr id="5" name="Picture 4" descr="Chart&#10;&#10;Description automatically generated">
+              <a:extLst>
+                <a:ext uri="{FF2B5EF4-FFF2-40B4-BE49-F238E27FC236}">
+                  <a16:creationId xmlns:a16="http://schemas.microsoft.com/office/drawing/2014/main" id="{856C3078-F922-0D48-8CD9-2384845F1E7F}"/>
+                </a:ext>
+              </a:extLst>
+            </p:cNvPr>
+            <p:cNvPicPr>
+              <a:picLocks noChangeAspect="1"/>
+            </p:cNvPicPr>
+            <p:nvPr/>
+          </p:nvPicPr>
+          <p:blipFill>
+            <a:blip r:embed="rId2">
+              <a:extLst>
+                <a:ext uri="{28A0092B-C50C-407E-A947-70E740481C1C}">
+                  <a14:useLocalDpi xmlns:a14="http://schemas.microsoft.com/office/drawing/2010/main" val="0"/>
+                </a:ext>
+              </a:extLst>
+            </a:blip>
+            <a:stretch>
+              <a:fillRect/>
+            </a:stretch>
+          </p:blipFill>
+          <p:spPr>
+            <a:xfrm>
+              <a:off x="-9277643" y="1113821"/>
+              <a:ext cx="6858000" cy="6204270"/>
+            </a:xfrm>
+            <a:prstGeom prst="rect">
+              <a:avLst/>
+            </a:prstGeom>
+          </p:spPr>
+        </p:pic>
+        <p:pic>
+          <p:nvPicPr>
+            <p:cNvPr id="7" name="Picture 6" descr="Chart, radar chart&#10;&#10;Description automatically generated">
+              <a:extLst>
+                <a:ext uri="{FF2B5EF4-FFF2-40B4-BE49-F238E27FC236}">
+                  <a16:creationId xmlns:a16="http://schemas.microsoft.com/office/drawing/2014/main" id="{84C4F780-4751-2A42-84EE-86037F139D21}"/>
+                </a:ext>
+              </a:extLst>
+            </p:cNvPr>
+            <p:cNvPicPr>
+              <a:picLocks noChangeAspect="1"/>
+            </p:cNvPicPr>
+            <p:nvPr/>
+          </p:nvPicPr>
+          <p:blipFill>
+            <a:blip r:embed="rId3">
+              <a:extLst>
+                <a:ext uri="{28A0092B-C50C-407E-A947-70E740481C1C}">
+                  <a14:useLocalDpi xmlns:a14="http://schemas.microsoft.com/office/drawing/2010/main" val="0"/>
+                </a:ext>
+              </a:extLst>
+            </a:blip>
+            <a:stretch>
+              <a:fillRect/>
+            </a:stretch>
+          </p:blipFill>
+          <p:spPr>
+            <a:xfrm>
+              <a:off x="-2419643" y="1113821"/>
+              <a:ext cx="6858000" cy="6269814"/>
+            </a:xfrm>
+            <a:prstGeom prst="rect">
+              <a:avLst/>
+            </a:prstGeom>
+          </p:spPr>
+        </p:pic>
+        <p:pic>
+          <p:nvPicPr>
+            <p:cNvPr id="9" name="Picture 8" descr="Chart, radar chart&#10;&#10;Description automatically generated">
+              <a:extLst>
+                <a:ext uri="{FF2B5EF4-FFF2-40B4-BE49-F238E27FC236}">
+                  <a16:creationId xmlns:a16="http://schemas.microsoft.com/office/drawing/2014/main" id="{737AF40D-FA39-A842-8DA2-68DE314BB221}"/>
+                </a:ext>
+              </a:extLst>
+            </p:cNvPr>
+            <p:cNvPicPr>
+              <a:picLocks noChangeAspect="1"/>
+            </p:cNvPicPr>
+            <p:nvPr/>
+          </p:nvPicPr>
+          <p:blipFill>
+            <a:blip r:embed="rId4">
+              <a:extLst>
+                <a:ext uri="{28A0092B-C50C-407E-A947-70E740481C1C}">
+                  <a14:useLocalDpi xmlns:a14="http://schemas.microsoft.com/office/drawing/2010/main" val="0"/>
+                </a:ext>
+              </a:extLst>
+            </a:blip>
+            <a:stretch>
+              <a:fillRect/>
+            </a:stretch>
+          </p:blipFill>
+          <p:spPr>
+            <a:xfrm>
+              <a:off x="-2419643" y="7383635"/>
+              <a:ext cx="6858000" cy="6101423"/>
+            </a:xfrm>
+            <a:prstGeom prst="rect">
+              <a:avLst/>
+            </a:prstGeom>
+          </p:spPr>
+        </p:pic>
+        <p:pic>
+          <p:nvPicPr>
+            <p:cNvPr id="13" name="Picture 12" descr="Chart, radar chart&#10;&#10;Description automatically generated">
+              <a:extLst>
+                <a:ext uri="{FF2B5EF4-FFF2-40B4-BE49-F238E27FC236}">
+                  <a16:creationId xmlns:a16="http://schemas.microsoft.com/office/drawing/2014/main" id="{F5BD7EC6-40F7-7746-9FA1-261B8D699CA3}"/>
+                </a:ext>
+              </a:extLst>
+            </p:cNvPr>
+            <p:cNvPicPr>
+              <a:picLocks noChangeAspect="1"/>
+            </p:cNvPicPr>
+            <p:nvPr/>
+          </p:nvPicPr>
+          <p:blipFill>
+            <a:blip r:embed="rId5">
+              <a:extLst>
+                <a:ext uri="{28A0092B-C50C-407E-A947-70E740481C1C}">
+                  <a14:useLocalDpi xmlns:a14="http://schemas.microsoft.com/office/drawing/2010/main" val="0"/>
+                </a:ext>
+              </a:extLst>
+            </a:blip>
+            <a:stretch>
+              <a:fillRect/>
+            </a:stretch>
+          </p:blipFill>
+          <p:spPr>
+            <a:xfrm>
+              <a:off x="-9277643" y="7279002"/>
+              <a:ext cx="6858000" cy="6179601"/>
+            </a:xfrm>
+            <a:prstGeom prst="rect">
+              <a:avLst/>
+            </a:prstGeom>
+          </p:spPr>
+        </p:pic>
+      </p:grpSp>
+      <p:sp>
+        <p:nvSpPr>
+          <p:cNvPr id="15" name="TextBox 14">
+            <a:extLst>
+              <a:ext uri="{FF2B5EF4-FFF2-40B4-BE49-F238E27FC236}">
+                <a16:creationId xmlns:a16="http://schemas.microsoft.com/office/drawing/2014/main" id="{BB6AFBA3-3E73-ED41-BFF8-22C45A540A1E}"/>
+              </a:ext>
+            </a:extLst>
+          </p:cNvPr>
+          <p:cNvSpPr txBox="1"/>
+          <p:nvPr/>
+        </p:nvSpPr>
+        <p:spPr>
+          <a:xfrm>
+            <a:off x="59150" y="2187898"/>
+            <a:ext cx="322524" cy="246221"/>
+          </a:xfrm>
+          <a:prstGeom prst="rect">
+            <a:avLst/>
+          </a:prstGeom>
+          <a:noFill/>
+        </p:spPr>
+        <p:txBody>
+          <a:bodyPr wrap="none" rtlCol="0">
+            <a:spAutoFit/>
+          </a:bodyPr>
+          <a:lstStyle/>
+          <a:p>
+            <a:r>
+              <a:rPr lang="en-US" sz="1000" dirty="0"/>
+              <a:t>(a)</a:t>
+            </a:r>
+          </a:p>
+        </p:txBody>
+      </p:sp>
+      <p:sp>
+        <p:nvSpPr>
+          <p:cNvPr id="16" name="TextBox 15">
+            <a:extLst>
+              <a:ext uri="{FF2B5EF4-FFF2-40B4-BE49-F238E27FC236}">
+                <a16:creationId xmlns:a16="http://schemas.microsoft.com/office/drawing/2014/main" id="{EF0F830C-56EB-634E-8161-0AD1973C8ED6}"/>
+              </a:ext>
+            </a:extLst>
+          </p:cNvPr>
+          <p:cNvSpPr txBox="1"/>
+          <p:nvPr/>
+        </p:nvSpPr>
+        <p:spPr>
+          <a:xfrm>
+            <a:off x="59150" y="4999292"/>
+            <a:ext cx="316112" cy="246221"/>
+          </a:xfrm>
+          <a:prstGeom prst="rect">
+            <a:avLst/>
+          </a:prstGeom>
+          <a:noFill/>
+        </p:spPr>
+        <p:txBody>
+          <a:bodyPr wrap="none" rtlCol="0">
+            <a:spAutoFit/>
+          </a:bodyPr>
+          <a:lstStyle/>
+          <a:p>
+            <a:r>
+              <a:rPr lang="en-US" sz="1000" dirty="0"/>
+              <a:t>(c)</a:t>
+            </a:r>
+          </a:p>
+        </p:txBody>
+      </p:sp>
+      <p:sp>
+        <p:nvSpPr>
+          <p:cNvPr id="17" name="TextBox 16">
+            <a:extLst>
+              <a:ext uri="{FF2B5EF4-FFF2-40B4-BE49-F238E27FC236}">
+                <a16:creationId xmlns:a16="http://schemas.microsoft.com/office/drawing/2014/main" id="{C6DE82A8-3C25-9441-A443-BEAE2C021E97}"/>
+              </a:ext>
+            </a:extLst>
+          </p:cNvPr>
+          <p:cNvSpPr txBox="1"/>
+          <p:nvPr/>
+        </p:nvSpPr>
+        <p:spPr>
+          <a:xfrm>
+            <a:off x="3364793" y="2187898"/>
+            <a:ext cx="328936" cy="246221"/>
+          </a:xfrm>
+          <a:prstGeom prst="rect">
+            <a:avLst/>
+          </a:prstGeom>
+          <a:noFill/>
+        </p:spPr>
+        <p:txBody>
+          <a:bodyPr wrap="none" rtlCol="0">
+            <a:spAutoFit/>
+          </a:bodyPr>
+          <a:lstStyle/>
+          <a:p>
+            <a:r>
+              <a:rPr lang="en-US" sz="1000" dirty="0"/>
+              <a:t>(b)</a:t>
+            </a:r>
+          </a:p>
+        </p:txBody>
+      </p:sp>
+      <p:sp>
+        <p:nvSpPr>
+          <p:cNvPr id="18" name="TextBox 17">
+            <a:extLst>
+              <a:ext uri="{FF2B5EF4-FFF2-40B4-BE49-F238E27FC236}">
+                <a16:creationId xmlns:a16="http://schemas.microsoft.com/office/drawing/2014/main" id="{5D0FA1C8-722E-F649-AD97-652137ABDFBE}"/>
+              </a:ext>
+            </a:extLst>
+          </p:cNvPr>
+          <p:cNvSpPr txBox="1"/>
+          <p:nvPr/>
+        </p:nvSpPr>
+        <p:spPr>
+          <a:xfrm>
+            <a:off x="3364793" y="4999292"/>
+            <a:ext cx="328936" cy="246221"/>
+          </a:xfrm>
+          <a:prstGeom prst="rect">
+            <a:avLst/>
+          </a:prstGeom>
+          <a:noFill/>
+        </p:spPr>
+        <p:txBody>
+          <a:bodyPr wrap="none" rtlCol="0">
+            <a:spAutoFit/>
+          </a:bodyPr>
+          <a:lstStyle/>
+          <a:p>
+            <a:r>
+              <a:rPr lang="en-US" sz="1000" dirty="0"/>
+              <a:t>(d)</a:t>
+            </a:r>
+          </a:p>
+        </p:txBody>
+      </p:sp>
+    </p:spTree>
+    <p:extLst>
+      <p:ext uri="{BB962C8B-B14F-4D97-AF65-F5344CB8AC3E}">
+        <p14:creationId xmlns:p14="http://schemas.microsoft.com/office/powerpoint/2010/main" val="2062628402"/>
+      </p:ext>
+    </p:extLst>
+  </p:cSld>
+  <p:clrMapOvr>
+    <a:masterClrMapping/>
+  </p:clrMapOvr>
+</p:sld>
+</file>
+
+<file path=ppt/slides/slide3.xml><?xml version="1.0" encoding="utf-8"?>
+<p:sld xmlns:a="http://schemas.openxmlformats.org/drawingml/2006/main" xmlns:r="http://schemas.openxmlformats.org/officeDocument/2006/relationships" xmlns:p="http://schemas.openxmlformats.org/presentationml/2006/main">
+  <p:cSld>
+    <p:spTree>
+      <p:nvGrpSpPr>
+        <p:cNvPr id="1" name=""/>
+        <p:cNvGrpSpPr/>
+        <p:nvPr/>
+      </p:nvGrpSpPr>
+      <p:grpSpPr>
+        <a:xfrm>
+          <a:off x="0" y="0"/>
+          <a:ext cx="0" cy="0"/>
+          <a:chOff x="0" y="0"/>
+          <a:chExt cx="0" cy="0"/>
+        </a:xfrm>
+      </p:grpSpPr>
       <p:pic>
         <p:nvPicPr>
           <p:cNvPr id="8" name="Picture 7" descr="Chart, radar chart&#10;&#10;Description automatically generated">
@@ -3442,8 +3778,8 @@
         </p:blipFill>
         <p:spPr>
           <a:xfrm>
-            <a:off x="3657600" y="1331844"/>
-            <a:ext cx="3018646" cy="2680858"/>
+            <a:off x="3576149" y="3562314"/>
+            <a:ext cx="3186068" cy="2829546"/>
           </a:xfrm>
           <a:prstGeom prst="rect">
             <a:avLst/>
@@ -3478,8 +3814,80 @@
         </p:blipFill>
         <p:spPr>
           <a:xfrm>
-            <a:off x="313697" y="1257499"/>
+            <a:off x="207769" y="3562314"/>
             <a:ext cx="3115303" cy="2829547"/>
+          </a:xfrm>
+          <a:prstGeom prst="rect">
+            <a:avLst/>
+          </a:prstGeom>
+        </p:spPr>
+      </p:pic>
+      <p:pic>
+        <p:nvPicPr>
+          <p:cNvPr id="14" name="Picture 13" descr="Chart, radar chart&#10;&#10;Description automatically generated">
+            <a:extLst>
+              <a:ext uri="{FF2B5EF4-FFF2-40B4-BE49-F238E27FC236}">
+                <a16:creationId xmlns:a16="http://schemas.microsoft.com/office/drawing/2014/main" id="{5D5356D5-1288-604A-8C7E-F7F356C3E5B7}"/>
+              </a:ext>
+            </a:extLst>
+          </p:cNvPr>
+          <p:cNvPicPr>
+            <a:picLocks noChangeAspect="1"/>
+          </p:cNvPicPr>
+          <p:nvPr/>
+        </p:nvPicPr>
+        <p:blipFill>
+          <a:blip r:embed="rId4">
+            <a:extLst>
+              <a:ext uri="{28A0092B-C50C-407E-A947-70E740481C1C}">
+                <a14:useLocalDpi xmlns:a14="http://schemas.microsoft.com/office/drawing/2010/main" val="0"/>
+              </a:ext>
+            </a:extLst>
+          </a:blip>
+          <a:stretch>
+            <a:fillRect/>
+          </a:stretch>
+        </p:blipFill>
+        <p:spPr>
+          <a:xfrm>
+            <a:off x="3534142" y="732768"/>
+            <a:ext cx="3228075" cy="2829547"/>
+          </a:xfrm>
+          <a:prstGeom prst="rect">
+            <a:avLst/>
+          </a:prstGeom>
+        </p:spPr>
+      </p:pic>
+      <p:pic>
+        <p:nvPicPr>
+          <p:cNvPr id="16" name="Picture 15" descr="Chart&#10;&#10;Description automatically generated">
+            <a:extLst>
+              <a:ext uri="{FF2B5EF4-FFF2-40B4-BE49-F238E27FC236}">
+                <a16:creationId xmlns:a16="http://schemas.microsoft.com/office/drawing/2014/main" id="{FE0A0B68-2006-C740-AD2E-582544221CCB}"/>
+              </a:ext>
+            </a:extLst>
+          </p:cNvPr>
+          <p:cNvPicPr>
+            <a:picLocks noChangeAspect="1"/>
+          </p:cNvPicPr>
+          <p:nvPr/>
+        </p:nvPicPr>
+        <p:blipFill>
+          <a:blip r:embed="rId5">
+            <a:extLst>
+              <a:ext uri="{28A0092B-C50C-407E-A947-70E740481C1C}">
+                <a14:useLocalDpi xmlns:a14="http://schemas.microsoft.com/office/drawing/2010/main" val="0"/>
+              </a:ext>
+            </a:extLst>
+          </a:blip>
+          <a:stretch>
+            <a:fillRect/>
+          </a:stretch>
+        </p:blipFill>
+        <p:spPr>
+          <a:xfrm>
+            <a:off x="193869" y="732768"/>
+            <a:ext cx="3179011" cy="2829546"/>
           </a:xfrm>
           <a:prstGeom prst="rect">
             <a:avLst/>
@@ -3500,7 +3908,7 @@
         </p:nvSpPr>
         <p:spPr>
           <a:xfrm>
-            <a:off x="72447" y="798824"/>
+            <a:off x="46507" y="647815"/>
             <a:ext cx="322524" cy="246221"/>
           </a:xfrm>
           <a:prstGeom prst="rect">
@@ -3517,6 +3925,41 @@
             <a:r>
               <a:rPr lang="en-US" sz="1000" dirty="0"/>
               <a:t>(a)</a:t>
+            </a:r>
+          </a:p>
+        </p:txBody>
+      </p:sp>
+      <p:sp>
+        <p:nvSpPr>
+          <p:cNvPr id="17" name="TextBox 16">
+            <a:extLst>
+              <a:ext uri="{FF2B5EF4-FFF2-40B4-BE49-F238E27FC236}">
+                <a16:creationId xmlns:a16="http://schemas.microsoft.com/office/drawing/2014/main" id="{4DA30389-A237-8A45-BDF2-34B4DAB7F2E3}"/>
+              </a:ext>
+            </a:extLst>
+          </p:cNvPr>
+          <p:cNvSpPr txBox="1"/>
+          <p:nvPr/>
+        </p:nvSpPr>
+        <p:spPr>
+          <a:xfrm>
+            <a:off x="46507" y="3459209"/>
+            <a:ext cx="316112" cy="246221"/>
+          </a:xfrm>
+          <a:prstGeom prst="rect">
+            <a:avLst/>
+          </a:prstGeom>
+          <a:noFill/>
+        </p:spPr>
+        <p:txBody>
+          <a:bodyPr wrap="none" rtlCol="0">
+            <a:spAutoFit/>
+          </a:bodyPr>
+          <a:lstStyle/>
+          <a:p>
+            <a:r>
+              <a:rPr lang="en-US" sz="1000" dirty="0"/>
+              <a:t>(c)</a:t>
             </a:r>
           </a:p>
         </p:txBody>
@@ -3535,7 +3978,7 @@
         </p:nvSpPr>
         <p:spPr>
           <a:xfrm>
-            <a:off x="3298247" y="798824"/>
+            <a:off x="3326278" y="647815"/>
             <a:ext cx="328936" cy="246221"/>
           </a:xfrm>
           <a:prstGeom prst="rect">
@@ -3550,10 +3993,44 @@
           <a:lstStyle/>
           <a:p>
             <a:r>
-              <a:rPr lang="en-US" sz="1000"/>
+              <a:rPr lang="en-US" sz="1000" dirty="0"/>
               <a:t>(b)</a:t>
             </a:r>
-            <a:endParaRPr lang="en-US" sz="1000" dirty="0"/>
+          </a:p>
+        </p:txBody>
+      </p:sp>
+      <p:sp>
+        <p:nvSpPr>
+          <p:cNvPr id="18" name="TextBox 17">
+            <a:extLst>
+              <a:ext uri="{FF2B5EF4-FFF2-40B4-BE49-F238E27FC236}">
+                <a16:creationId xmlns:a16="http://schemas.microsoft.com/office/drawing/2014/main" id="{DFF0862B-45D2-EB4E-BD4D-59AA64F0AB51}"/>
+              </a:ext>
+            </a:extLst>
+          </p:cNvPr>
+          <p:cNvSpPr txBox="1"/>
+          <p:nvPr/>
+        </p:nvSpPr>
+        <p:spPr>
+          <a:xfrm>
+            <a:off x="3326278" y="3459209"/>
+            <a:ext cx="328936" cy="246221"/>
+          </a:xfrm>
+          <a:prstGeom prst="rect">
+            <a:avLst/>
+          </a:prstGeom>
+          <a:noFill/>
+        </p:spPr>
+        <p:txBody>
+          <a:bodyPr wrap="none" rtlCol="0">
+            <a:spAutoFit/>
+          </a:bodyPr>
+          <a:lstStyle/>
+          <a:p>
+            <a:r>
+              <a:rPr lang="en-US" sz="1000" dirty="0"/>
+              <a:t>(d)</a:t>
+            </a:r>
           </a:p>
         </p:txBody>
       </p:sp>
@@ -3570,7 +4047,7 @@
 </p:sld>
 </file>
 
-<file path=ppt/slides/slide3.xml><?xml version="1.0" encoding="utf-8"?>
+<file path=ppt/slides/slide4.xml><?xml version="1.0" encoding="utf-8"?>
 <p:sld xmlns:a="http://schemas.openxmlformats.org/drawingml/2006/main" xmlns:r="http://schemas.openxmlformats.org/officeDocument/2006/relationships" xmlns:p="http://schemas.openxmlformats.org/presentationml/2006/main">
   <p:cSld>
     <p:spTree>
@@ -3706,7 +4183,7 @@
 </p:sld>
 </file>
 
-<file path=ppt/slides/slide4.xml><?xml version="1.0" encoding="utf-8"?>
+<file path=ppt/slides/slide5.xml><?xml version="1.0" encoding="utf-8"?>
 <p:sld xmlns:a="http://schemas.openxmlformats.org/drawingml/2006/main" xmlns:r="http://schemas.openxmlformats.org/officeDocument/2006/relationships" xmlns:p="http://schemas.openxmlformats.org/presentationml/2006/main">
   <p:cSld>
     <p:spTree>

--- a/Figures/figurematerials.pptx
+++ b/Figures/figurematerials.pptx
@@ -247,7 +247,7 @@
           <a:p>
             <a:fld id="{AC44779A-29BA-410F-95F7-B18393C07A9D}" type="datetimeFigureOut">
               <a:rPr lang="en-US" smtClean="0"/>
-              <a:t>12/25/21</a:t>
+              <a:t>5/15/23</a:t>
             </a:fld>
             <a:endParaRPr lang="en-US"/>
           </a:p>
@@ -417,7 +417,7 @@
           <a:p>
             <a:fld id="{AC44779A-29BA-410F-95F7-B18393C07A9D}" type="datetimeFigureOut">
               <a:rPr lang="en-US" smtClean="0"/>
-              <a:t>12/25/21</a:t>
+              <a:t>5/15/23</a:t>
             </a:fld>
             <a:endParaRPr lang="en-US"/>
           </a:p>
@@ -597,7 +597,7 @@
           <a:p>
             <a:fld id="{AC44779A-29BA-410F-95F7-B18393C07A9D}" type="datetimeFigureOut">
               <a:rPr lang="en-US" smtClean="0"/>
-              <a:t>12/25/21</a:t>
+              <a:t>5/15/23</a:t>
             </a:fld>
             <a:endParaRPr lang="en-US"/>
           </a:p>
@@ -767,7 +767,7 @@
           <a:p>
             <a:fld id="{AC44779A-29BA-410F-95F7-B18393C07A9D}" type="datetimeFigureOut">
               <a:rPr lang="en-US" smtClean="0"/>
-              <a:t>12/25/21</a:t>
+              <a:t>5/15/23</a:t>
             </a:fld>
             <a:endParaRPr lang="en-US"/>
           </a:p>
@@ -1011,7 +1011,7 @@
           <a:p>
             <a:fld id="{AC44779A-29BA-410F-95F7-B18393C07A9D}" type="datetimeFigureOut">
               <a:rPr lang="en-US" smtClean="0"/>
-              <a:t>12/25/21</a:t>
+              <a:t>5/15/23</a:t>
             </a:fld>
             <a:endParaRPr lang="en-US"/>
           </a:p>
@@ -1243,7 +1243,7 @@
           <a:p>
             <a:fld id="{AC44779A-29BA-410F-95F7-B18393C07A9D}" type="datetimeFigureOut">
               <a:rPr lang="en-US" smtClean="0"/>
-              <a:t>12/25/21</a:t>
+              <a:t>5/15/23</a:t>
             </a:fld>
             <a:endParaRPr lang="en-US"/>
           </a:p>
@@ -1610,7 +1610,7 @@
           <a:p>
             <a:fld id="{AC44779A-29BA-410F-95F7-B18393C07A9D}" type="datetimeFigureOut">
               <a:rPr lang="en-US" smtClean="0"/>
-              <a:t>12/25/21</a:t>
+              <a:t>5/15/23</a:t>
             </a:fld>
             <a:endParaRPr lang="en-US"/>
           </a:p>
@@ -1728,7 +1728,7 @@
           <a:p>
             <a:fld id="{AC44779A-29BA-410F-95F7-B18393C07A9D}" type="datetimeFigureOut">
               <a:rPr lang="en-US" smtClean="0"/>
-              <a:t>12/25/21</a:t>
+              <a:t>5/15/23</a:t>
             </a:fld>
             <a:endParaRPr lang="en-US"/>
           </a:p>
@@ -1823,7 +1823,7 @@
           <a:p>
             <a:fld id="{AC44779A-29BA-410F-95F7-B18393C07A9D}" type="datetimeFigureOut">
               <a:rPr lang="en-US" smtClean="0"/>
-              <a:t>12/25/21</a:t>
+              <a:t>5/15/23</a:t>
             </a:fld>
             <a:endParaRPr lang="en-US"/>
           </a:p>
@@ -2100,7 +2100,7 @@
           <a:p>
             <a:fld id="{AC44779A-29BA-410F-95F7-B18393C07A9D}" type="datetimeFigureOut">
               <a:rPr lang="en-US" smtClean="0"/>
-              <a:t>12/25/21</a:t>
+              <a:t>5/15/23</a:t>
             </a:fld>
             <a:endParaRPr lang="en-US"/>
           </a:p>
@@ -2357,7 +2357,7 @@
           <a:p>
             <a:fld id="{AC44779A-29BA-410F-95F7-B18393C07A9D}" type="datetimeFigureOut">
               <a:rPr lang="en-US" smtClean="0"/>
-              <a:t>12/25/21</a:t>
+              <a:t>5/15/23</a:t>
             </a:fld>
             <a:endParaRPr lang="en-US"/>
           </a:p>
@@ -2570,7 +2570,7 @@
           <a:p>
             <a:fld id="{AC44779A-29BA-410F-95F7-B18393C07A9D}" type="datetimeFigureOut">
               <a:rPr lang="en-US" smtClean="0"/>
-              <a:t>12/25/21</a:t>
+              <a:t>5/15/23</a:t>
             </a:fld>
             <a:endParaRPr lang="en-US"/>
           </a:p>
@@ -2989,7 +2989,7 @@
         </p:nvGrpSpPr>
         <p:grpSpPr>
           <a:xfrm>
-            <a:off x="0" y="381711"/>
+            <a:off x="103862" y="381711"/>
             <a:ext cx="6754138" cy="3664309"/>
             <a:chOff x="32372" y="291482"/>
             <a:chExt cx="6542341" cy="3549403"/>
@@ -4166,6 +4166,41 @@
             <a:r>
               <a:rPr lang="en-US" sz="1000" dirty="0"/>
               <a:t>(b)</a:t>
+            </a:r>
+          </a:p>
+        </p:txBody>
+      </p:sp>
+      <p:sp>
+        <p:nvSpPr>
+          <p:cNvPr id="5" name="TextBox 4">
+            <a:extLst>
+              <a:ext uri="{FF2B5EF4-FFF2-40B4-BE49-F238E27FC236}">
+                <a16:creationId xmlns:a16="http://schemas.microsoft.com/office/drawing/2014/main" id="{DD7D16B4-F171-7E40-935A-072B94668F12}"/>
+              </a:ext>
+            </a:extLst>
+          </p:cNvPr>
+          <p:cNvSpPr txBox="1"/>
+          <p:nvPr/>
+        </p:nvSpPr>
+        <p:spPr>
+          <a:xfrm>
+            <a:off x="1786059" y="3836077"/>
+            <a:ext cx="316112" cy="246221"/>
+          </a:xfrm>
+          <a:prstGeom prst="rect">
+            <a:avLst/>
+          </a:prstGeom>
+          <a:noFill/>
+        </p:spPr>
+        <p:txBody>
+          <a:bodyPr wrap="none" rtlCol="0">
+            <a:spAutoFit/>
+          </a:bodyPr>
+          <a:lstStyle/>
+          <a:p>
+            <a:r>
+              <a:rPr lang="en-US" sz="1000" dirty="0"/>
+              <a:t>(c)</a:t>
             </a:r>
           </a:p>
         </p:txBody>
